--- a/课程PPT/30.ES6对函数的扩展.pptx
+++ b/课程PPT/30.ES6对函数的扩展.pptx
@@ -5,22 +5,22 @@
     <p:sldMasterId id="2147483648" r:id="rId1"/>
   </p:sldMasterIdLst>
   <p:notesMasterIdLst>
-    <p:notesMasterId r:id="rId15"/>
+    <p:notesMasterId r:id="rId6"/>
   </p:notesMasterIdLst>
   <p:sldIdLst>
-    <p:sldId id="773" r:id="rId2"/>
-    <p:sldId id="1199" r:id="rId3"/>
-    <p:sldId id="1288" r:id="rId4"/>
-    <p:sldId id="1289" r:id="rId5"/>
-    <p:sldId id="1229" r:id="rId6"/>
-    <p:sldId id="1216" r:id="rId7"/>
-    <p:sldId id="1221" r:id="rId8"/>
-    <p:sldId id="1222" r:id="rId9"/>
-    <p:sldId id="1286" r:id="rId10"/>
-    <p:sldId id="1225" r:id="rId11"/>
-    <p:sldId id="1226" r:id="rId12"/>
-    <p:sldId id="1287" r:id="rId13"/>
-    <p:sldId id="1104" r:id="rId14"/>
+    <p:sldId id="773" r:id="rId3"/>
+    <p:sldId id="1199" r:id="rId4"/>
+    <p:sldId id="1288" r:id="rId5"/>
+    <p:sldId id="1289" r:id="rId7"/>
+    <p:sldId id="1229" r:id="rId8"/>
+    <p:sldId id="1216" r:id="rId9"/>
+    <p:sldId id="1221" r:id="rId10"/>
+    <p:sldId id="1222" r:id="rId11"/>
+    <p:sldId id="1286" r:id="rId12"/>
+    <p:sldId id="1225" r:id="rId13"/>
+    <p:sldId id="1226" r:id="rId14"/>
+    <p:sldId id="1287" r:id="rId15"/>
+    <p:sldId id="1104" r:id="rId16"/>
   </p:sldIdLst>
   <p:sldSz cx="12192000" cy="6858000"/>
   <p:notesSz cx="6797675" cy="9928225"/>
@@ -339,6 +339,7 @@
               <a:rPr lang="zh-CN" altLang="zh-CN" noProof="0" smtClean="0"/>
               <a:t>                                                   </a:t>
             </a:r>
+            <a:endParaRPr lang="zh-CN" altLang="zh-CN" noProof="0" smtClean="0"/>
           </a:p>
           <a:p>
             <a:pPr lvl="1"/>
@@ -346,6 +347,7 @@
               <a:rPr lang="zh-CN" altLang="zh-CN" noProof="0" smtClean="0"/>
               <a:t>               </a:t>
             </a:r>
+            <a:endParaRPr lang="zh-CN" altLang="zh-CN" noProof="0" smtClean="0"/>
           </a:p>
           <a:p>
             <a:pPr lvl="2"/>
@@ -353,6 +355,7 @@
               <a:rPr lang="zh-CN" altLang="zh-CN" noProof="0" smtClean="0"/>
               <a:t>                </a:t>
             </a:r>
+            <a:endParaRPr lang="zh-CN" altLang="zh-CN" noProof="0" smtClean="0"/>
           </a:p>
           <a:p>
             <a:pPr lvl="3"/>
@@ -360,6 +363,7 @@
               <a:rPr lang="zh-CN" altLang="zh-CN" noProof="0" smtClean="0"/>
               <a:t>                </a:t>
             </a:r>
+            <a:endParaRPr lang="zh-CN" altLang="zh-CN" noProof="0" smtClean="0"/>
           </a:p>
           <a:p>
             <a:pPr lvl="4"/>
@@ -367,6 +371,7 @@
               <a:rPr lang="zh-CN" altLang="zh-CN" noProof="0" smtClean="0"/>
               <a:t>                </a:t>
             </a:r>
+            <a:endParaRPr lang="zh-CN" altLang="zh-CN" noProof="0" smtClean="0"/>
           </a:p>
         </p:txBody>
       </p:sp>
@@ -449,18 +454,12 @@
           <a:p>
             <a:fld id="{D9AFD278-84AA-4CAA-9049-809825956FE0}" type="slidenum">
               <a:rPr lang="en-US" altLang="zh-CN"/>
-              <a:t>‹#›</a:t>
             </a:fld>
             <a:endParaRPr lang="zh-CN" altLang="zh-CN"/>
           </a:p>
         </p:txBody>
       </p:sp>
     </p:spTree>
-    <p:extLst>
-      <p:ext uri="{BB962C8B-B14F-4D97-AF65-F5344CB8AC3E}">
-        <p14:creationId xmlns:p14="http://schemas.microsoft.com/office/powerpoint/2010/main" val="2689640465"/>
-      </p:ext>
-    </p:extLst>
   </p:cSld>
   <p:clrMap bg1="lt1" tx1="dk1" bg2="lt2" tx2="dk2" accent1="accent1" accent2="accent2" accent3="accent3" accent4="accent4" accent5="accent5" accent6="accent6" hlink="hlink" folHlink="folHlink"/>
   <p:notesStyle>
@@ -652,6 +651,7 @@
               <a:rPr lang="zh-CN" altLang="en-US" dirty="0"/>
               <a:t>）实例，增加逻辑判断</a:t>
             </a:r>
+            <a:endParaRPr lang="zh-CN" altLang="en-US" dirty="0"/>
           </a:p>
         </p:txBody>
       </p:sp>
@@ -672,7 +672,6 @@
           <a:p>
             <a:fld id="{D9AFD278-84AA-4CAA-9049-809825956FE0}" type="slidenum">
               <a:rPr lang="en-US" altLang="zh-CN" smtClean="0"/>
-              <a:t>3</a:t>
             </a:fld>
             <a:endParaRPr lang="zh-CN" altLang="zh-CN"/>
           </a:p>
@@ -750,6 +749,7 @@
               <a:rPr lang="zh-CN" altLang="en-US" dirty="0"/>
               <a:t>）实例，增加逻辑判断</a:t>
             </a:r>
+            <a:endParaRPr lang="zh-CN" altLang="en-US" dirty="0"/>
           </a:p>
         </p:txBody>
       </p:sp>
@@ -770,7 +770,6 @@
           <a:p>
             <a:fld id="{D9AFD278-84AA-4CAA-9049-809825956FE0}" type="slidenum">
               <a:rPr lang="en-US" altLang="zh-CN" smtClean="0"/>
-              <a:t>4</a:t>
             </a:fld>
             <a:endParaRPr lang="zh-CN" altLang="zh-CN"/>
           </a:p>
@@ -848,6 +847,7 @@
               <a:rPr lang="zh-CN" altLang="en-US" dirty="0"/>
               <a:t>）实例，增加逻辑判断</a:t>
             </a:r>
+            <a:endParaRPr lang="zh-CN" altLang="en-US" dirty="0"/>
           </a:p>
         </p:txBody>
       </p:sp>
@@ -868,7 +868,6 @@
           <a:p>
             <a:fld id="{D9AFD278-84AA-4CAA-9049-809825956FE0}" type="slidenum">
               <a:rPr lang="en-US" altLang="zh-CN" smtClean="0"/>
-              <a:t>6</a:t>
             </a:fld>
             <a:endParaRPr lang="zh-CN" altLang="zh-CN"/>
           </a:p>
@@ -946,6 +945,7 @@
               <a:rPr lang="zh-CN" altLang="en-US" dirty="0"/>
               <a:t>）实例，增加逻辑判断</a:t>
             </a:r>
+            <a:endParaRPr lang="zh-CN" altLang="en-US" dirty="0"/>
           </a:p>
         </p:txBody>
       </p:sp>
@@ -966,7 +966,6 @@
           <a:p>
             <a:fld id="{D9AFD278-84AA-4CAA-9049-809825956FE0}" type="slidenum">
               <a:rPr lang="en-US" altLang="zh-CN" smtClean="0"/>
-              <a:t>7</a:t>
             </a:fld>
             <a:endParaRPr lang="zh-CN" altLang="zh-CN"/>
           </a:p>
@@ -1044,6 +1043,7 @@
               <a:rPr lang="zh-CN" altLang="en-US" dirty="0"/>
               <a:t>）实例，增加逻辑判断</a:t>
             </a:r>
+            <a:endParaRPr lang="zh-CN" altLang="en-US" dirty="0"/>
           </a:p>
         </p:txBody>
       </p:sp>
@@ -1064,7 +1064,6 @@
           <a:p>
             <a:fld id="{D9AFD278-84AA-4CAA-9049-809825956FE0}" type="slidenum">
               <a:rPr lang="en-US" altLang="zh-CN" smtClean="0"/>
-              <a:t>8</a:t>
             </a:fld>
             <a:endParaRPr lang="zh-CN" altLang="zh-CN"/>
           </a:p>
@@ -1142,6 +1141,7 @@
               <a:rPr lang="zh-CN" altLang="en-US" dirty="0"/>
               <a:t>）实例，增加逻辑判断</a:t>
             </a:r>
+            <a:endParaRPr lang="zh-CN" altLang="en-US" dirty="0"/>
           </a:p>
         </p:txBody>
       </p:sp>
@@ -1162,7 +1162,6 @@
           <a:p>
             <a:fld id="{D9AFD278-84AA-4CAA-9049-809825956FE0}" type="slidenum">
               <a:rPr lang="en-US" altLang="zh-CN" smtClean="0"/>
-              <a:t>10</a:t>
             </a:fld>
             <a:endParaRPr lang="zh-CN" altLang="zh-CN"/>
           </a:p>
@@ -1240,6 +1239,7 @@
               <a:rPr lang="zh-CN" altLang="en-US" dirty="0"/>
               <a:t>）实例，增加逻辑判断</a:t>
             </a:r>
+            <a:endParaRPr lang="zh-CN" altLang="en-US" dirty="0"/>
           </a:p>
         </p:txBody>
       </p:sp>
@@ -1260,7 +1260,6 @@
           <a:p>
             <a:fld id="{D9AFD278-84AA-4CAA-9049-809825956FE0}" type="slidenum">
               <a:rPr lang="en-US" altLang="zh-CN" smtClean="0"/>
-              <a:t>11</a:t>
             </a:fld>
             <a:endParaRPr lang="zh-CN" altLang="zh-CN"/>
           </a:p>
@@ -1344,6 +1343,7 @@
               <a:rPr lang="zh-CN" altLang="en-US" dirty="0" smtClean="0"/>
               <a:t>单击此处编辑母版文本样式</a:t>
             </a:r>
+            <a:endParaRPr lang="zh-CN" altLang="en-US" dirty="0" smtClean="0"/>
           </a:p>
           <a:p>
             <a:pPr lvl="1"/>
@@ -1351,6 +1351,7 @@
               <a:rPr lang="zh-CN" altLang="en-US" dirty="0" smtClean="0"/>
               <a:t>第二级</a:t>
             </a:r>
+            <a:endParaRPr lang="zh-CN" altLang="en-US" dirty="0" smtClean="0"/>
           </a:p>
           <a:p>
             <a:pPr lvl="2"/>
@@ -1358,6 +1359,7 @@
               <a:rPr lang="zh-CN" altLang="en-US" dirty="0" smtClean="0"/>
               <a:t>第三级</a:t>
             </a:r>
+            <a:endParaRPr lang="zh-CN" altLang="en-US" dirty="0" smtClean="0"/>
           </a:p>
           <a:p>
             <a:pPr lvl="3"/>
@@ -1365,6 +1367,7 @@
               <a:rPr lang="zh-CN" altLang="en-US" dirty="0" smtClean="0"/>
               <a:t>第四级</a:t>
             </a:r>
+            <a:endParaRPr lang="zh-CN" altLang="en-US" dirty="0" smtClean="0"/>
           </a:p>
         </p:txBody>
       </p:sp>
@@ -1426,6 +1429,7 @@
               <a:rPr lang="zh-CN" altLang="en-US" dirty="0" smtClean="0"/>
               <a:t>单击此处编辑母版文本样式</a:t>
             </a:r>
+            <a:endParaRPr lang="zh-CN" altLang="en-US" dirty="0" smtClean="0"/>
           </a:p>
         </p:txBody>
       </p:sp>
@@ -1482,7 +1486,6 @@
           <a:p>
             <a:fld id="{2030C94F-1E7C-47E3-9C60-176A530B03BF}" type="slidenum">
               <a:rPr lang="en-US" altLang="zh-CN"/>
-              <a:t>‹#›</a:t>
             </a:fld>
             <a:endParaRPr lang="zh-CN" altLang="zh-CN" sz="3200" b="0"/>
           </a:p>
@@ -1573,6 +1576,7 @@
               <a:rPr lang="zh-CN" altLang="en-US" dirty="0" smtClean="0"/>
               <a:t>单击此处编辑母版文本样式</a:t>
             </a:r>
+            <a:endParaRPr lang="zh-CN" altLang="en-US" dirty="0" smtClean="0"/>
           </a:p>
           <a:p>
             <a:pPr lvl="1"/>
@@ -1580,6 +1584,7 @@
               <a:rPr lang="zh-CN" altLang="en-US" dirty="0" smtClean="0"/>
               <a:t>第二级</a:t>
             </a:r>
+            <a:endParaRPr lang="zh-CN" altLang="en-US" dirty="0" smtClean="0"/>
           </a:p>
           <a:p>
             <a:pPr lvl="2"/>
@@ -1587,6 +1592,7 @@
               <a:rPr lang="zh-CN" altLang="en-US" dirty="0" smtClean="0"/>
               <a:t>第三级</a:t>
             </a:r>
+            <a:endParaRPr lang="zh-CN" altLang="en-US" dirty="0" smtClean="0"/>
           </a:p>
           <a:p>
             <a:pPr lvl="3"/>
@@ -1594,6 +1600,7 @@
               <a:rPr lang="zh-CN" altLang="en-US" dirty="0" smtClean="0"/>
               <a:t>第四级</a:t>
             </a:r>
+            <a:endParaRPr lang="zh-CN" altLang="en-US" dirty="0" smtClean="0"/>
           </a:p>
         </p:txBody>
       </p:sp>
@@ -1651,6 +1658,7 @@
               <a:rPr lang="zh-CN" altLang="en-US" dirty="0" smtClean="0"/>
               <a:t>单击此处编辑母版文本样式</a:t>
             </a:r>
+            <a:endParaRPr lang="zh-CN" altLang="en-US" dirty="0" smtClean="0"/>
           </a:p>
         </p:txBody>
       </p:sp>
@@ -1732,6 +1740,7 @@
               <a:rPr lang="zh-CN" altLang="en-US" dirty="0" smtClean="0"/>
               <a:t>单击此处编辑母版文本样式</a:t>
             </a:r>
+            <a:endParaRPr lang="zh-CN" altLang="en-US" dirty="0" smtClean="0"/>
           </a:p>
           <a:p>
             <a:pPr lvl="1"/>
@@ -1739,6 +1748,7 @@
               <a:rPr lang="zh-CN" altLang="en-US" dirty="0" smtClean="0"/>
               <a:t>第二级</a:t>
             </a:r>
+            <a:endParaRPr lang="zh-CN" altLang="en-US" dirty="0" smtClean="0"/>
           </a:p>
           <a:p>
             <a:pPr lvl="2"/>
@@ -1746,6 +1756,7 @@
               <a:rPr lang="zh-CN" altLang="en-US" dirty="0" smtClean="0"/>
               <a:t>第三级</a:t>
             </a:r>
+            <a:endParaRPr lang="zh-CN" altLang="en-US" dirty="0" smtClean="0"/>
           </a:p>
           <a:p>
             <a:pPr lvl="3"/>
@@ -1753,6 +1764,7 @@
               <a:rPr lang="zh-CN" altLang="en-US" dirty="0" smtClean="0"/>
               <a:t>第四级</a:t>
             </a:r>
+            <a:endParaRPr lang="zh-CN" altLang="en-US" dirty="0" smtClean="0"/>
           </a:p>
         </p:txBody>
       </p:sp>
@@ -1810,6 +1822,7 @@
               <a:rPr lang="zh-CN" altLang="en-US" dirty="0" smtClean="0"/>
               <a:t>单击此处编辑母版文本样式</a:t>
             </a:r>
+            <a:endParaRPr lang="zh-CN" altLang="en-US" dirty="0" smtClean="0"/>
           </a:p>
         </p:txBody>
       </p:sp>
@@ -1891,6 +1904,7 @@
               <a:rPr lang="zh-CN" altLang="en-US" dirty="0" smtClean="0"/>
               <a:t>单击此处编辑母版文本样式</a:t>
             </a:r>
+            <a:endParaRPr lang="zh-CN" altLang="en-US" dirty="0" smtClean="0"/>
           </a:p>
           <a:p>
             <a:pPr lvl="1"/>
@@ -1898,6 +1912,7 @@
               <a:rPr lang="zh-CN" altLang="en-US" dirty="0" smtClean="0"/>
               <a:t>第二级</a:t>
             </a:r>
+            <a:endParaRPr lang="zh-CN" altLang="en-US" dirty="0" smtClean="0"/>
           </a:p>
           <a:p>
             <a:pPr lvl="2"/>
@@ -1905,6 +1920,7 @@
               <a:rPr lang="zh-CN" altLang="en-US" dirty="0" smtClean="0"/>
               <a:t>第三级</a:t>
             </a:r>
+            <a:endParaRPr lang="zh-CN" altLang="en-US" dirty="0" smtClean="0"/>
           </a:p>
           <a:p>
             <a:pPr lvl="3"/>
@@ -1912,6 +1928,7 @@
               <a:rPr lang="zh-CN" altLang="en-US" dirty="0" smtClean="0"/>
               <a:t>第四级</a:t>
             </a:r>
+            <a:endParaRPr lang="zh-CN" altLang="en-US" dirty="0" smtClean="0"/>
           </a:p>
         </p:txBody>
       </p:sp>
@@ -1969,6 +1986,7 @@
               <a:rPr lang="zh-CN" altLang="en-US" dirty="0" smtClean="0"/>
               <a:t>单击此处编辑母版文本样式</a:t>
             </a:r>
+            <a:endParaRPr lang="zh-CN" altLang="en-US" dirty="0" smtClean="0"/>
           </a:p>
         </p:txBody>
       </p:sp>
@@ -2050,6 +2068,7 @@
               <a:rPr lang="zh-CN" altLang="en-US" dirty="0" smtClean="0"/>
               <a:t>单击此处编辑母版文本样式</a:t>
             </a:r>
+            <a:endParaRPr lang="zh-CN" altLang="en-US" dirty="0" smtClean="0"/>
           </a:p>
           <a:p>
             <a:pPr lvl="1"/>
@@ -2057,6 +2076,7 @@
               <a:rPr lang="zh-CN" altLang="en-US" dirty="0" smtClean="0"/>
               <a:t>第二级</a:t>
             </a:r>
+            <a:endParaRPr lang="zh-CN" altLang="en-US" dirty="0" smtClean="0"/>
           </a:p>
           <a:p>
             <a:pPr lvl="2"/>
@@ -2064,6 +2084,7 @@
               <a:rPr lang="zh-CN" altLang="en-US" dirty="0" smtClean="0"/>
               <a:t>第三级</a:t>
             </a:r>
+            <a:endParaRPr lang="zh-CN" altLang="en-US" dirty="0" smtClean="0"/>
           </a:p>
           <a:p>
             <a:pPr lvl="3"/>
@@ -2071,6 +2092,7 @@
               <a:rPr lang="zh-CN" altLang="en-US" dirty="0" smtClean="0"/>
               <a:t>第四级</a:t>
             </a:r>
+            <a:endParaRPr lang="zh-CN" altLang="en-US" dirty="0" smtClean="0"/>
           </a:p>
         </p:txBody>
       </p:sp>
@@ -2128,6 +2150,7 @@
               <a:rPr lang="zh-CN" altLang="en-US" dirty="0" smtClean="0"/>
               <a:t>单击此处编辑母版文本样式</a:t>
             </a:r>
+            <a:endParaRPr lang="zh-CN" altLang="en-US" dirty="0" smtClean="0"/>
           </a:p>
         </p:txBody>
       </p:sp>
@@ -2209,6 +2232,7 @@
               <a:rPr lang="zh-CN" altLang="en-US" dirty="0" smtClean="0"/>
               <a:t>单击此处编辑母版文本样式</a:t>
             </a:r>
+            <a:endParaRPr lang="zh-CN" altLang="en-US" dirty="0" smtClean="0"/>
           </a:p>
           <a:p>
             <a:pPr lvl="1"/>
@@ -2216,6 +2240,7 @@
               <a:rPr lang="zh-CN" altLang="en-US" dirty="0" smtClean="0"/>
               <a:t>第二级</a:t>
             </a:r>
+            <a:endParaRPr lang="zh-CN" altLang="en-US" dirty="0" smtClean="0"/>
           </a:p>
           <a:p>
             <a:pPr lvl="2"/>
@@ -2223,6 +2248,7 @@
               <a:rPr lang="zh-CN" altLang="en-US" dirty="0" smtClean="0"/>
               <a:t>第三级</a:t>
             </a:r>
+            <a:endParaRPr lang="zh-CN" altLang="en-US" dirty="0" smtClean="0"/>
           </a:p>
           <a:p>
             <a:pPr lvl="3"/>
@@ -2230,6 +2256,7 @@
               <a:rPr lang="zh-CN" altLang="en-US" dirty="0" smtClean="0"/>
               <a:t>第四级</a:t>
             </a:r>
+            <a:endParaRPr lang="zh-CN" altLang="en-US" dirty="0" smtClean="0"/>
           </a:p>
         </p:txBody>
       </p:sp>
@@ -2287,6 +2314,7 @@
               <a:rPr lang="zh-CN" altLang="en-US" dirty="0" smtClean="0"/>
               <a:t>单击此处编辑母版文本样式</a:t>
             </a:r>
+            <a:endParaRPr lang="zh-CN" altLang="en-US" dirty="0" smtClean="0"/>
           </a:p>
         </p:txBody>
       </p:sp>
@@ -2368,6 +2396,7 @@
               <a:rPr lang="zh-CN" altLang="en-US" dirty="0" smtClean="0"/>
               <a:t>单击此处编辑母版文本样式</a:t>
             </a:r>
+            <a:endParaRPr lang="zh-CN" altLang="en-US" dirty="0" smtClean="0"/>
           </a:p>
           <a:p>
             <a:pPr lvl="1"/>
@@ -2375,6 +2404,7 @@
               <a:rPr lang="zh-CN" altLang="en-US" dirty="0" smtClean="0"/>
               <a:t>第二级</a:t>
             </a:r>
+            <a:endParaRPr lang="zh-CN" altLang="en-US" dirty="0" smtClean="0"/>
           </a:p>
           <a:p>
             <a:pPr lvl="2"/>
@@ -2382,6 +2412,7 @@
               <a:rPr lang="zh-CN" altLang="en-US" dirty="0" smtClean="0"/>
               <a:t>第三级</a:t>
             </a:r>
+            <a:endParaRPr lang="zh-CN" altLang="en-US" dirty="0" smtClean="0"/>
           </a:p>
           <a:p>
             <a:pPr lvl="3"/>
@@ -2389,6 +2420,7 @@
               <a:rPr lang="zh-CN" altLang="en-US" dirty="0" smtClean="0"/>
               <a:t>第四级</a:t>
             </a:r>
+            <a:endParaRPr lang="zh-CN" altLang="en-US" dirty="0" smtClean="0"/>
           </a:p>
         </p:txBody>
       </p:sp>
@@ -2446,6 +2478,7 @@
               <a:rPr lang="zh-CN" altLang="en-US" dirty="0" smtClean="0"/>
               <a:t>单击此处编辑母版文本样式</a:t>
             </a:r>
+            <a:endParaRPr lang="zh-CN" altLang="en-US" dirty="0" smtClean="0"/>
           </a:p>
         </p:txBody>
       </p:sp>
@@ -2539,6 +2572,7 @@
               <a:rPr lang="zh-CN" altLang="en-US" dirty="0" smtClean="0"/>
               <a:t>单击此处编辑母版文本样式</a:t>
             </a:r>
+            <a:endParaRPr lang="zh-CN" altLang="en-US" dirty="0" smtClean="0"/>
           </a:p>
           <a:p>
             <a:pPr lvl="1"/>
@@ -2546,6 +2580,7 @@
               <a:rPr lang="zh-CN" altLang="en-US" dirty="0" smtClean="0"/>
               <a:t>第二级</a:t>
             </a:r>
+            <a:endParaRPr lang="zh-CN" altLang="en-US" dirty="0" smtClean="0"/>
           </a:p>
           <a:p>
             <a:pPr lvl="2"/>
@@ -2553,6 +2588,7 @@
               <a:rPr lang="zh-CN" altLang="en-US" dirty="0" smtClean="0"/>
               <a:t>第三级</a:t>
             </a:r>
+            <a:endParaRPr lang="zh-CN" altLang="en-US" dirty="0" smtClean="0"/>
           </a:p>
           <a:p>
             <a:pPr lvl="3"/>
@@ -2560,6 +2596,7 @@
               <a:rPr lang="zh-CN" altLang="en-US" dirty="0" smtClean="0"/>
               <a:t>第四级</a:t>
             </a:r>
+            <a:endParaRPr lang="zh-CN" altLang="en-US" dirty="0" smtClean="0"/>
           </a:p>
         </p:txBody>
       </p:sp>
@@ -2621,6 +2658,7 @@
               <a:rPr lang="zh-CN" altLang="en-US" dirty="0" smtClean="0"/>
               <a:t>单击此处编辑母版文本样式</a:t>
             </a:r>
+            <a:endParaRPr lang="zh-CN" altLang="en-US" dirty="0" smtClean="0"/>
           </a:p>
         </p:txBody>
       </p:sp>
@@ -2645,7 +2683,7 @@
     <p:bg bwMode="auto">
       <p:bgPr>
         <a:blipFill dpi="0" rotWithShape="0">
-          <a:blip r:embed="rId11"/>
+          <a:blip r:embed="rId10"/>
           <a:srcRect/>
           <a:stretch>
             <a:fillRect/>
@@ -2704,7 +2742,6 @@
           <a:p>
             <a:fld id="{43A45880-9E2A-43E4-955C-AEB11E14255E}" type="slidenum">
               <a:rPr lang="en-US" altLang="zh-CN"/>
-              <a:t>‹#›</a:t>
             </a:fld>
             <a:endParaRPr lang="zh-CN" altLang="zh-CN"/>
           </a:p>
@@ -2719,7 +2756,7 @@
           <p:nvPr/>
         </p:nvPicPr>
         <p:blipFill>
-          <a:blip r:embed="rId12">
+          <a:blip r:embed="rId11">
             <a:extLst>
               <a:ext uri="{28A0092B-C50C-407E-A947-70E740481C1C}">
                 <a14:useLocalDpi xmlns:a14="http://schemas.microsoft.com/office/drawing/2010/main" val="0"/>
@@ -2773,7 +2810,7 @@
           <p:nvPr/>
         </p:nvPicPr>
         <p:blipFill>
-          <a:blip r:embed="rId13">
+          <a:blip r:embed="rId12">
             <a:extLst>
               <a:ext uri="{28A0092B-C50C-407E-A947-70E740481C1C}">
                 <a14:useLocalDpi xmlns:a14="http://schemas.microsoft.com/office/drawing/2010/main" val="0"/>
@@ -3286,7 +3323,7 @@
           <p:nvPr/>
         </p:nvPicPr>
         <p:blipFill>
-          <a:blip r:embed="rId2">
+          <a:blip r:embed="rId1">
             <a:extLst>
               <a:ext uri="{28A0092B-C50C-407E-A947-70E740481C1C}">
                 <a14:useLocalDpi xmlns:a14="http://schemas.microsoft.com/office/drawing/2010/main" val="0"/>
@@ -3587,7 +3624,7 @@
           <p:nvPr/>
         </p:nvPicPr>
         <p:blipFill>
-          <a:blip r:embed="rId3">
+          <a:blip r:embed="rId2">
             <a:extLst>
               <a:ext uri="{28A0092B-C50C-407E-A947-70E740481C1C}">
                 <a14:useLocalDpi xmlns:a14="http://schemas.microsoft.com/office/drawing/2010/main" val="0"/>
@@ -3727,14 +3764,6 @@
               </a:rPr>
               <a:t>Rest（剩余操作符）</a:t>
             </a:r>
-            <a:r>
-              <a:rPr kumimoji="0" lang="zh-CN" altLang="en-US" sz="3200" dirty="0" smtClean="0">
-                <a:solidFill>
-                  <a:schemeClr val="tx1"/>
-                </a:solidFill>
-              </a:rPr>
-              <a:t/>
-            </a:r>
             <a:br>
               <a:rPr kumimoji="0" lang="zh-CN" altLang="en-US" sz="3200" dirty="0" smtClean="0">
                 <a:solidFill>
@@ -3812,15 +3841,6 @@
               </a:rPr>
               <a:t>arguments</a:t>
             </a:r>
-            <a:r>
-              <a:rPr lang="en-US" altLang="zh-CN" sz="2000">
-                <a:solidFill>
-                  <a:schemeClr val="tx1"/>
-                </a:solidFill>
-                <a:sym typeface="+mn-ea"/>
-              </a:rPr>
-              <a:t/>
-            </a:r>
             <a:br>
               <a:rPr lang="en-US" altLang="zh-CN" sz="2000">
                 <a:solidFill>
@@ -3919,15 +3939,6 @@
               </a:rPr>
               <a:t>操作</a:t>
             </a:r>
-            <a:r>
-              <a:rPr sz="2000">
-                <a:solidFill>
-                  <a:schemeClr val="tx1"/>
-                </a:solidFill>
-                <a:sym typeface="+mn-ea"/>
-              </a:rPr>
-              <a:t/>
-            </a:r>
             <a:br>
               <a:rPr sz="2000">
                 <a:solidFill>
@@ -4035,6 +4046,12 @@
               </a:rPr>
               <a:t>，实例如下</a:t>
             </a:r>
+            <a:endParaRPr lang="zh-CN" altLang="en-US" sz="2000">
+              <a:solidFill>
+                <a:schemeClr val="tx1"/>
+              </a:solidFill>
+              <a:sym typeface="+mn-ea"/>
+            </a:endParaRPr>
           </a:p>
           <a:p>
             <a:pPr eaLnBrk="1" hangingPunct="1">
@@ -4101,7 +4118,7 @@
           <p:nvPr/>
         </p:nvPicPr>
         <p:blipFill>
-          <a:blip r:embed="rId3"/>
+          <a:blip r:embed="rId1"/>
           <a:stretch>
             <a:fillRect/>
           </a:stretch>
@@ -4179,6 +4196,13 @@
               </a:rPr>
               <a:t>...Rest</a:t>
             </a:r>
+            <a:endParaRPr lang="en-US" altLang="zh-CN" sz="2200">
+              <a:solidFill>
+                <a:srgbClr val="FF0000"/>
+              </a:solidFill>
+              <a:latin typeface="+mn-ea"/>
+              <a:ea typeface="+mn-ea"/>
+            </a:endParaRPr>
           </a:p>
         </p:txBody>
       </p:sp>
@@ -4569,15 +4593,6 @@
               </a:rPr>
               <a:t>Spread（扩展操作符）</a:t>
             </a:r>
-            <a:r>
-              <a:rPr lang="en-US" altLang="zh-CN" sz="2000">
-                <a:solidFill>
-                  <a:schemeClr val="tx1"/>
-                </a:solidFill>
-                <a:sym typeface="+mn-ea"/>
-              </a:rPr>
-              <a:t/>
-            </a:r>
             <a:br>
               <a:rPr lang="en-US" altLang="zh-CN" sz="2000">
                 <a:solidFill>
@@ -4648,15 +4663,6 @@
                 <a:sym typeface="+mn-ea"/>
               </a:rPr>
               <a:t>，但使用的场景不同）</a:t>
-            </a:r>
-            <a:r>
-              <a:rPr lang="zh-CN" sz="2000">
-                <a:solidFill>
-                  <a:schemeClr val="tx1"/>
-                </a:solidFill>
-                <a:sym typeface="+mn-ea"/>
-              </a:rPr>
-              <a:t/>
             </a:r>
             <a:br>
               <a:rPr lang="zh-CN" sz="2000">
@@ -4836,7 +4842,7 @@
           <p:nvPr/>
         </p:nvPicPr>
         <p:blipFill>
-          <a:blip r:embed="rId3"/>
+          <a:blip r:embed="rId1"/>
           <a:stretch>
             <a:fillRect/>
           </a:stretch>
@@ -4914,6 +4920,13 @@
               </a:rPr>
               <a:t>...Spread</a:t>
             </a:r>
+            <a:endParaRPr lang="en-US" altLang="zh-CN" sz="2200">
+              <a:solidFill>
+                <a:srgbClr val="FF0000"/>
+              </a:solidFill>
+              <a:latin typeface="+mn-ea"/>
+              <a:ea typeface="+mn-ea"/>
+            </a:endParaRPr>
           </a:p>
         </p:txBody>
       </p:sp>
@@ -5420,6 +5433,11 @@
               </a:rPr>
               <a:t>新增的箭头函数</a:t>
             </a:r>
+            <a:endParaRPr lang="zh-CN" altLang="en-US" sz="2800" b="1">
+              <a:solidFill>
+                <a:schemeClr val="tx1"/>
+              </a:solidFill>
+            </a:endParaRPr>
           </a:p>
           <a:p>
             <a:pPr algn="l">
@@ -5456,6 +5474,12 @@
               </a:rPr>
               <a:t>对函数参数默认值的扩展</a:t>
             </a:r>
+            <a:endParaRPr lang="zh-CN" altLang="en-US" sz="2800" b="1">
+              <a:solidFill>
+                <a:schemeClr val="tx1"/>
+              </a:solidFill>
+              <a:sym typeface="+mn-ea"/>
+            </a:endParaRPr>
           </a:p>
           <a:p>
             <a:pPr algn="l">
@@ -5523,6 +5547,12 @@
               </a:rPr>
               <a:t>操作符</a:t>
             </a:r>
+            <a:endParaRPr lang="zh-CN" altLang="en-US" sz="2800" b="1">
+              <a:solidFill>
+                <a:schemeClr val="tx1"/>
+              </a:solidFill>
+              <a:sym typeface="+mn-ea"/>
+            </a:endParaRPr>
           </a:p>
         </p:txBody>
       </p:sp>
@@ -5785,7 +5815,7 @@
           <p:nvPr/>
         </p:nvPicPr>
         <p:blipFill>
-          <a:blip r:embed="rId2">
+          <a:blip r:embed="rId1">
             <a:extLst>
               <a:ext uri="{28A0092B-C50C-407E-A947-70E740481C1C}">
                 <a14:useLocalDpi xmlns:a14="http://schemas.microsoft.com/office/drawing/2010/main" val="0"/>
@@ -5903,7 +5933,7 @@
           <p:nvPr/>
         </p:nvPicPr>
         <p:blipFill>
-          <a:blip r:embed="rId3">
+          <a:blip r:embed="rId2">
             <a:extLst>
               <a:ext uri="{28A0092B-C50C-407E-A947-70E740481C1C}">
                 <a14:useLocalDpi xmlns:a14="http://schemas.microsoft.com/office/drawing/2010/main" val="0"/>
@@ -6199,6 +6229,12 @@
               </a:rPr>
               <a:t>对函数参数默认值的扩展</a:t>
             </a:r>
+            <a:endParaRPr lang="zh-CN" altLang="en-US" sz="2800" b="1">
+              <a:solidFill>
+                <a:schemeClr val="tx1"/>
+              </a:solidFill>
+              <a:sym typeface="+mn-ea"/>
+            </a:endParaRPr>
           </a:p>
           <a:p>
             <a:pPr algn="l">
@@ -6566,14 +6602,6 @@
               </a:rPr>
               <a:t>）</a:t>
             </a:r>
-            <a:r>
-              <a:rPr kumimoji="0" lang="zh-CN" altLang="en-US" sz="2000" dirty="0" smtClean="0">
-                <a:solidFill>
-                  <a:schemeClr val="tx1"/>
-                </a:solidFill>
-              </a:rPr>
-              <a:t/>
-            </a:r>
             <a:br>
               <a:rPr kumimoji="0" lang="zh-CN" altLang="en-US" sz="2000" dirty="0" smtClean="0">
                 <a:solidFill>
@@ -6673,15 +6701,6 @@
               </a:rPr>
               <a:t> }</a:t>
             </a:r>
-            <a:r>
-              <a:rPr kumimoji="0" lang="zh-CN" altLang="en-US" sz="2000" dirty="0" smtClean="0">
-                <a:solidFill>
-                  <a:srgbClr val="FF0000"/>
-                </a:solidFill>
-                <a:sym typeface="+mn-ea"/>
-              </a:rPr>
-              <a:t/>
-            </a:r>
             <a:br>
               <a:rPr kumimoji="0" lang="zh-CN" altLang="en-US" sz="2000" dirty="0" smtClean="0">
                 <a:solidFill>
@@ -6771,15 +6790,6 @@
               </a:rPr>
               <a:t>指向错误</a:t>
             </a:r>
-            <a:r>
-              <a:rPr kumimoji="0" lang="en-US" altLang="zh-CN" sz="2000" dirty="0" smtClean="0">
-                <a:solidFill>
-                  <a:schemeClr val="tx1"/>
-                </a:solidFill>
-                <a:sym typeface="+mn-ea"/>
-              </a:rPr>
-              <a:t/>
-            </a:r>
             <a:br>
               <a:rPr kumimoji="0" lang="en-US" altLang="zh-CN" sz="2000" dirty="0" smtClean="0">
                 <a:solidFill>
@@ -6798,13 +6808,22 @@
               <a:t>- 如果箭头函数</a:t>
             </a:r>
             <a:r>
+              <a:rPr kumimoji="0" lang="zh-CN" altLang="en-US" sz="2000" dirty="0" smtClean="0">
+                <a:solidFill>
+                  <a:srgbClr val="FF0000"/>
+                </a:solidFill>
+                <a:sym typeface="+mn-ea"/>
+              </a:rPr>
+              <a:t>没有</a:t>
+            </a:r>
+            <a:r>
               <a:rPr kumimoji="0" lang="en-US" altLang="zh-CN" sz="2000" dirty="0" smtClean="0">
                 <a:solidFill>
                   <a:srgbClr val="FF0000"/>
                 </a:solidFill>
                 <a:sym typeface="+mn-ea"/>
               </a:rPr>
-              <a:t>不需要参数或需要多个参数</a:t>
+              <a:t>参数或需要多个参数</a:t>
             </a:r>
             <a:r>
               <a:rPr kumimoji="0" lang="zh-CN" altLang="en-US" sz="2000" dirty="0" smtClean="0">
@@ -6832,15 +6851,6 @@
                 <a:sym typeface="+mn-ea"/>
               </a:rPr>
             </a:br>
-            <a:r>
-              <a:rPr kumimoji="0" lang="zh-CN" altLang="en-US" sz="1200" dirty="0" smtClean="0">
-                <a:solidFill>
-                  <a:schemeClr val="tx1"/>
-                </a:solidFill>
-                <a:sym typeface="+mn-ea"/>
-              </a:rPr>
-              <a:t/>
-            </a:r>
             <a:br>
               <a:rPr kumimoji="0" lang="zh-CN" altLang="en-US" sz="1200" dirty="0" smtClean="0">
                 <a:solidFill>
@@ -6953,6 +6963,9 @@
               </a:rPr>
               <a:t>新增的箭头函数</a:t>
             </a:r>
+            <a:endParaRPr kumimoji="0" lang="zh-CN" altLang="en-US" dirty="0">
+              <a:sym typeface="+mn-ea"/>
+            </a:endParaRPr>
           </a:p>
         </p:txBody>
       </p:sp>
@@ -7009,6 +7022,13 @@
               </a:rPr>
               <a:t>箭头函数实例</a:t>
             </a:r>
+            <a:endParaRPr lang="zh-CN" altLang="en-US" sz="2200">
+              <a:solidFill>
+                <a:srgbClr val="FF0000"/>
+              </a:solidFill>
+              <a:latin typeface="+mn-ea"/>
+              <a:ea typeface="+mn-ea"/>
+            </a:endParaRPr>
           </a:p>
         </p:txBody>
       </p:sp>
@@ -7021,7 +7041,7 @@
           <p:nvPr/>
         </p:nvPicPr>
         <p:blipFill>
-          <a:blip r:embed="rId3"/>
+          <a:blip r:embed="rId1"/>
           <a:stretch>
             <a:fillRect/>
           </a:stretch>
@@ -7045,7 +7065,7 @@
           <p:nvPr/>
         </p:nvPicPr>
         <p:blipFill>
-          <a:blip r:embed="rId4"/>
+          <a:blip r:embed="rId2"/>
           <a:stretch>
             <a:fillRect/>
           </a:stretch>
@@ -7093,6 +7113,13 @@
               </a:rPr>
               <a:t>复合语句的话，需要使用大括号</a:t>
             </a:r>
+            <a:endParaRPr lang="zh-CN" sz="2200">
+              <a:solidFill>
+                <a:srgbClr val="FF0000"/>
+              </a:solidFill>
+              <a:latin typeface="+mn-ea"/>
+              <a:ea typeface="+mn-ea"/>
+            </a:endParaRPr>
           </a:p>
           <a:p>
             <a:pPr algn="l"/>
@@ -7126,6 +7153,13 @@
               </a:rPr>
               <a:t>语句进行返回，</a:t>
             </a:r>
+            <a:endParaRPr lang="zh-CN" altLang="en-US" sz="2200">
+              <a:solidFill>
+                <a:srgbClr val="FF0000"/>
+              </a:solidFill>
+              <a:latin typeface="+mn-ea"/>
+              <a:ea typeface="+mn-ea"/>
+            </a:endParaRPr>
           </a:p>
           <a:p>
             <a:pPr algn="l"/>
@@ -7159,6 +7193,13 @@
               </a:rPr>
               <a:t>关键字</a:t>
             </a:r>
+            <a:endParaRPr lang="zh-CN" altLang="en-US" sz="2200">
+              <a:solidFill>
+                <a:srgbClr val="FF0000"/>
+              </a:solidFill>
+              <a:latin typeface="+mn-ea"/>
+              <a:ea typeface="+mn-ea"/>
+            </a:endParaRPr>
           </a:p>
         </p:txBody>
       </p:sp>
@@ -7732,14 +7773,6 @@
               </a:rPr>
               <a:t>箭头函数需注意的几个点</a:t>
             </a:r>
-            <a:r>
-              <a:rPr kumimoji="0" lang="zh-CN" altLang="en-US" sz="2000" dirty="0" smtClean="0">
-                <a:solidFill>
-                  <a:schemeClr val="tx1"/>
-                </a:solidFill>
-              </a:rPr>
-              <a:t/>
-            </a:r>
             <a:br>
               <a:rPr kumimoji="0" lang="zh-CN" altLang="en-US" sz="2000" dirty="0" smtClean="0">
                 <a:solidFill>
@@ -7811,14 +7844,6 @@
               </a:rPr>
               <a:t>缺陷）</a:t>
             </a:r>
-            <a:r>
-              <a:rPr kumimoji="0" lang="en-US" altLang="zh-CN" sz="2000" dirty="0" smtClean="0">
-                <a:solidFill>
-                  <a:schemeClr val="tx1"/>
-                </a:solidFill>
-              </a:rPr>
-              <a:t/>
-            </a:r>
             <a:br>
               <a:rPr kumimoji="0" lang="en-US" altLang="zh-CN" sz="2000" dirty="0" smtClean="0">
                 <a:solidFill>
@@ -7896,15 +7921,6 @@
                 <a:sym typeface="+mn-ea"/>
               </a:rPr>
               <a:t>对象外面加上括号</a:t>
-            </a:r>
-            <a:r>
-              <a:rPr kumimoji="0" lang="zh-CN" altLang="en-US" sz="1200" dirty="0" smtClean="0">
-                <a:solidFill>
-                  <a:schemeClr val="tx1"/>
-                </a:solidFill>
-                <a:sym typeface="+mn-ea"/>
-              </a:rPr>
-              <a:t/>
             </a:r>
             <a:br>
               <a:rPr kumimoji="0" lang="zh-CN" altLang="en-US" sz="1200" dirty="0" smtClean="0">
@@ -7979,6 +7995,9 @@
               </a:rPr>
               <a:t>新增的箭头函数</a:t>
             </a:r>
+            <a:endParaRPr kumimoji="0" lang="zh-CN" altLang="en-US" dirty="0">
+              <a:sym typeface="+mn-ea"/>
+            </a:endParaRPr>
           </a:p>
         </p:txBody>
       </p:sp>
@@ -7991,7 +8010,7 @@
           <p:nvPr/>
         </p:nvPicPr>
         <p:blipFill>
-          <a:blip r:embed="rId3"/>
+          <a:blip r:embed="rId1"/>
           <a:srcRect/>
           <a:stretch>
             <a:fillRect/>
@@ -8016,7 +8035,7 @@
           <p:nvPr/>
         </p:nvPicPr>
         <p:blipFill>
-          <a:blip r:embed="rId4"/>
+          <a:blip r:embed="rId2"/>
           <a:srcRect/>
           <a:stretch>
             <a:fillRect/>
@@ -8041,7 +8060,7 @@
           <p:nvPr/>
         </p:nvPicPr>
         <p:blipFill>
-          <a:blip r:embed="rId5"/>
+          <a:blip r:embed="rId3"/>
           <a:srcRect r="6075"/>
           <a:stretch>
             <a:fillRect/>
@@ -8100,6 +8119,13 @@
               </a:rPr>
               <a:t>demo07 </a:t>
             </a:r>
+            <a:endParaRPr lang="en-US" altLang="zh-CN" sz="2200">
+              <a:solidFill>
+                <a:srgbClr val="FF0000"/>
+              </a:solidFill>
+              <a:latin typeface="+mn-ea"/>
+              <a:ea typeface="+mn-ea"/>
+            </a:endParaRPr>
           </a:p>
           <a:p>
             <a:pPr algn="l"/>
@@ -8113,6 +8139,13 @@
               </a:rPr>
               <a:t>箭头函数注意的几个点</a:t>
             </a:r>
+            <a:endParaRPr lang="zh-CN" altLang="en-US" sz="2200">
+              <a:solidFill>
+                <a:srgbClr val="FF0000"/>
+              </a:solidFill>
+              <a:latin typeface="+mn-ea"/>
+              <a:ea typeface="+mn-ea"/>
+            </a:endParaRPr>
           </a:p>
         </p:txBody>
       </p:sp>
@@ -8801,6 +8834,11 @@
               </a:rPr>
               <a:t>新增的箭头函数</a:t>
             </a:r>
+            <a:endParaRPr lang="zh-CN" altLang="en-US" sz="2800" b="1">
+              <a:solidFill>
+                <a:schemeClr val="tx1"/>
+              </a:solidFill>
+            </a:endParaRPr>
           </a:p>
           <a:p>
             <a:pPr algn="l">
@@ -8837,6 +8875,12 @@
               </a:rPr>
               <a:t>对函数参数默认值的扩展</a:t>
             </a:r>
+            <a:endParaRPr lang="zh-CN" altLang="en-US" sz="2800" b="1">
+              <a:solidFill>
+                <a:srgbClr val="FF0000"/>
+              </a:solidFill>
+              <a:sym typeface="+mn-ea"/>
+            </a:endParaRPr>
           </a:p>
           <a:p>
             <a:pPr algn="l">
@@ -9216,15 +9260,6 @@
               </a:rPr>
               <a:t>来实现</a:t>
             </a:r>
-            <a:r>
-              <a:rPr kumimoji="0" lang="zh-CN" altLang="en-US" sz="2000" dirty="0" smtClean="0">
-                <a:solidFill>
-                  <a:schemeClr val="tx1"/>
-                </a:solidFill>
-                <a:sym typeface="+mn-ea"/>
-              </a:rPr>
-              <a:t/>
-            </a:r>
             <a:br>
               <a:rPr kumimoji="0" lang="zh-CN" altLang="en-US" sz="2000" dirty="0" smtClean="0">
                 <a:solidFill>
@@ -9305,7 +9340,7 @@
           <p:nvPr/>
         </p:nvPicPr>
         <p:blipFill>
-          <a:blip r:embed="rId3"/>
+          <a:blip r:embed="rId1"/>
           <a:srcRect l="7013" b="33916"/>
           <a:stretch>
             <a:fillRect/>
@@ -9367,6 +9402,11 @@
               </a:rPr>
               <a:t>，</a:t>
             </a:r>
+            <a:endParaRPr lang="zh-CN" altLang="en-US" sz="2000">
+              <a:solidFill>
+                <a:schemeClr val="tx1"/>
+              </a:solidFill>
+            </a:endParaRPr>
           </a:p>
           <a:p>
             <a:r>
@@ -9502,6 +9542,11 @@
               </a:rPr>
               <a:t>10</a:t>
             </a:r>
+            <a:endParaRPr lang="en-US" altLang="zh-CN">
+              <a:solidFill>
+                <a:schemeClr val="accent3"/>
+              </a:solidFill>
+            </a:endParaRPr>
           </a:p>
         </p:txBody>
       </p:sp>
@@ -9578,6 +9623,13 @@
               </a:rPr>
               <a:t>实现参数的默认值</a:t>
             </a:r>
+            <a:endParaRPr lang="zh-CN" altLang="en-US" sz="2200">
+              <a:solidFill>
+                <a:srgbClr val="FF0000"/>
+              </a:solidFill>
+              <a:latin typeface="+mn-ea"/>
+              <a:ea typeface="+mn-ea"/>
+            </a:endParaRPr>
           </a:p>
         </p:txBody>
       </p:sp>
@@ -10199,15 +10251,6 @@
               </a:rPr>
               <a:t>更加直观</a:t>
             </a:r>
-            <a:r>
-              <a:rPr lang="en-US" altLang="zh-CN" sz="2000">
-                <a:solidFill>
-                  <a:schemeClr val="tx1"/>
-                </a:solidFill>
-                <a:sym typeface="+mn-ea"/>
-              </a:rPr>
-              <a:t/>
-            </a:r>
             <a:br>
               <a:rPr lang="en-US" altLang="zh-CN" sz="2000">
                 <a:solidFill>
@@ -10251,15 +10294,6 @@
                 <a:sym typeface="+mn-ea"/>
               </a:rPr>
               <a:t>中实参转换为布尔类型的问题</a:t>
-            </a:r>
-            <a:r>
-              <a:rPr kumimoji="0" lang="zh-CN" altLang="en-US" sz="2000" dirty="0" smtClean="0">
-                <a:solidFill>
-                  <a:schemeClr val="tx1"/>
-                </a:solidFill>
-                <a:sym typeface="+mn-ea"/>
-              </a:rPr>
-              <a:t/>
             </a:r>
             <a:br>
               <a:rPr kumimoji="0" lang="zh-CN" altLang="en-US" sz="2000" dirty="0" smtClean="0">
@@ -10341,7 +10375,7 @@
           <p:nvPr/>
         </p:nvPicPr>
         <p:blipFill>
-          <a:blip r:embed="rId3"/>
+          <a:blip r:embed="rId1"/>
           <a:stretch>
             <a:fillRect/>
           </a:stretch>
@@ -10429,6 +10463,13 @@
               </a:rPr>
               <a:t>实现参数的默认值</a:t>
             </a:r>
+            <a:endParaRPr lang="zh-CN" altLang="en-US" sz="2200">
+              <a:solidFill>
+                <a:srgbClr val="FF0000"/>
+              </a:solidFill>
+              <a:latin typeface="+mn-ea"/>
+              <a:ea typeface="+mn-ea"/>
+            </a:endParaRPr>
           </a:p>
         </p:txBody>
       </p:sp>
@@ -10505,6 +10546,13 @@
               </a:rPr>
               <a:t>是如何实现相应的功能</a:t>
             </a:r>
+            <a:endParaRPr lang="zh-CN" altLang="en-US" sz="2200">
+              <a:solidFill>
+                <a:srgbClr val="FF0000"/>
+              </a:solidFill>
+              <a:latin typeface="+mn-ea"/>
+              <a:ea typeface="+mn-ea"/>
+            </a:endParaRPr>
           </a:p>
         </p:txBody>
       </p:sp>
@@ -11067,15 +11115,6 @@
               </a:rPr>
               <a:t>重复声明</a:t>
             </a:r>
-            <a:r>
-              <a:rPr lang="en-US" altLang="zh-CN" sz="2000">
-                <a:solidFill>
-                  <a:schemeClr val="tx1"/>
-                </a:solidFill>
-                <a:sym typeface="+mn-ea"/>
-              </a:rPr>
-              <a:t/>
-            </a:r>
             <a:br>
               <a:rPr lang="en-US" altLang="zh-CN" sz="2000">
                 <a:solidFill>
@@ -11154,15 +11193,6 @@
                 <a:sym typeface="+mn-ea"/>
               </a:rPr>
               <a:t>   没有默认值的用传递的值</a:t>
-            </a:r>
-            <a:r>
-              <a:rPr kumimoji="0" lang="zh-CN" altLang="en-US" sz="2000" dirty="0" smtClean="0">
-                <a:solidFill>
-                  <a:schemeClr val="tx1"/>
-                </a:solidFill>
-                <a:sym typeface="+mn-ea"/>
-              </a:rPr>
-              <a:t/>
             </a:r>
             <a:br>
               <a:rPr kumimoji="0" lang="zh-CN" altLang="en-US" sz="2000" dirty="0" smtClean="0">
@@ -11244,7 +11274,7 @@
           <p:nvPr/>
         </p:nvPicPr>
         <p:blipFill>
-          <a:blip r:embed="rId3"/>
+          <a:blip r:embed="rId1"/>
           <a:stretch>
             <a:fillRect/>
           </a:stretch>
@@ -11312,6 +11342,13 @@
               </a:rPr>
               <a:t>实现参数的默认值的注意事项</a:t>
             </a:r>
+            <a:endParaRPr lang="zh-CN" altLang="en-US" sz="2200">
+              <a:solidFill>
+                <a:srgbClr val="FF0000"/>
+              </a:solidFill>
+              <a:latin typeface="+mn-ea"/>
+              <a:ea typeface="+mn-ea"/>
+            </a:endParaRPr>
           </a:p>
         </p:txBody>
       </p:sp>
@@ -11324,7 +11361,7 @@
           <p:nvPr/>
         </p:nvPicPr>
         <p:blipFill>
-          <a:blip r:embed="rId4"/>
+          <a:blip r:embed="rId2"/>
           <a:stretch>
             <a:fillRect/>
           </a:stretch>
@@ -11933,6 +11970,11 @@
               </a:rPr>
               <a:t>新增的箭头函数</a:t>
             </a:r>
+            <a:endParaRPr lang="zh-CN" altLang="en-US" sz="2800" b="1">
+              <a:solidFill>
+                <a:schemeClr val="tx1"/>
+              </a:solidFill>
+            </a:endParaRPr>
           </a:p>
           <a:p>
             <a:pPr algn="l">
@@ -11969,6 +12011,12 @@
               </a:rPr>
               <a:t>对函数参数默认值的扩展</a:t>
             </a:r>
+            <a:endParaRPr lang="zh-CN" altLang="en-US" sz="2800" b="1">
+              <a:solidFill>
+                <a:schemeClr val="tx1"/>
+              </a:solidFill>
+              <a:sym typeface="+mn-ea"/>
+            </a:endParaRPr>
           </a:p>
           <a:p>
             <a:pPr algn="l">
@@ -12036,6 +12084,12 @@
               </a:rPr>
               <a:t>操作符</a:t>
             </a:r>
+            <a:endParaRPr lang="zh-CN" altLang="en-US" sz="2800" b="1">
+              <a:solidFill>
+                <a:srgbClr val="FF0000"/>
+              </a:solidFill>
+              <a:sym typeface="+mn-ea"/>
+            </a:endParaRPr>
           </a:p>
         </p:txBody>
       </p:sp>
@@ -12606,10 +12660,9 @@
       </a:lstStyle>
     </a:lnDef>
   </a:objectDefaults>
-  <a:extraClrSchemeLst/>
   <a:extLst>
     <a:ext uri="{05A4C25C-085E-4340-85A3-A5531E510DB2}">
-      <thm15:themeFamily xmlns="" xmlns:thm15="http://schemas.microsoft.com/office/thememl/2012/main" name="Office Theme" id="{62F939B6-93AF-4DB8-9C6B-D6C7DFDC589F}" vid="{4A3C46E8-61CC-4603-A589-7422A47A8E4A}"/>
+      <thm15:themeFamily xmlns:thm15="http://schemas.microsoft.com/office/thememl/2012/main" name="Office Theme" id="{62F939B6-93AF-4DB8-9C6B-D6C7DFDC589F}" vid="{4A3C46E8-61CC-4603-A589-7422A47A8E4A}"/>
     </a:ext>
   </a:extLst>
 </a:theme>
@@ -12893,11 +12946,9 @@
       </a:bgFillStyleLst>
     </a:fmtScheme>
   </a:themeElements>
-  <a:objectDefaults/>
-  <a:extraClrSchemeLst/>
   <a:extLst>
     <a:ext uri="{05A4C25C-085E-4340-85A3-A5531E510DB2}">
-      <thm15:themeFamily xmlns="" xmlns:thm15="http://schemas.microsoft.com/office/thememl/2012/main" name="Office Theme" id="{62F939B6-93AF-4DB8-9C6B-D6C7DFDC589F}" vid="{4A3C46E8-61CC-4603-A589-7422A47A8E4A}"/>
+      <thm15:themeFamily xmlns:thm15="http://schemas.microsoft.com/office/thememl/2012/main" name="Office Theme" id="{62F939B6-93AF-4DB8-9C6B-D6C7DFDC589F}" vid="{4A3C46E8-61CC-4603-A589-7422A47A8E4A}"/>
     </a:ext>
   </a:extLst>
 </a:theme>
